--- a/ppt 16-9/0378.筵席的故事-谦卑.pptx
+++ b/ppt 16-9/0378.筵席的故事-谦卑.pptx
@@ -5,7 +5,7 @@
     <p:sldMasterId id="2147483648" r:id="rId1"/>
   </p:sldMasterIdLst>
   <p:sldIdLst>
-    <p:sldId id="3295" r:id="rId2"/>
+    <p:sldId id="3297" r:id="rId2"/>
   </p:sldIdLst>
   <p:sldSz cx="12192000" cy="6858000"/>
   <p:notesSz cx="6858000" cy="9144000"/>
@@ -129,7 +129,7 @@
           <p:cNvPr id="2" name="标题 1">
             <a:extLst>
               <a:ext uri="{FF2B5EF4-FFF2-40B4-BE49-F238E27FC236}">
-                <a16:creationId xmlns:a16="http://schemas.microsoft.com/office/drawing/2014/main" id="{87AAEA1F-DB5C-7538-88F3-382DB7606F6A}"/>
+                <a16:creationId xmlns:a16="http://schemas.microsoft.com/office/drawing/2014/main" id="{B4A858BE-7686-65E0-D915-F858BCF8DA55}"/>
               </a:ext>
             </a:extLst>
           </p:cNvPr>
@@ -166,7 +166,7 @@
           <p:cNvPr id="3" name="副标题 2">
             <a:extLst>
               <a:ext uri="{FF2B5EF4-FFF2-40B4-BE49-F238E27FC236}">
-                <a16:creationId xmlns:a16="http://schemas.microsoft.com/office/drawing/2014/main" id="{610142C2-1215-6F13-B908-BDA3C944D436}"/>
+                <a16:creationId xmlns:a16="http://schemas.microsoft.com/office/drawing/2014/main" id="{7E3489D3-C831-F249-A990-ECB4E7469066}"/>
               </a:ext>
             </a:extLst>
           </p:cNvPr>
@@ -236,7 +236,7 @@
           <p:cNvPr id="4" name="日期占位符 3">
             <a:extLst>
               <a:ext uri="{FF2B5EF4-FFF2-40B4-BE49-F238E27FC236}">
-                <a16:creationId xmlns:a16="http://schemas.microsoft.com/office/drawing/2014/main" id="{9DE1EC1F-0F4E-12AF-D7E2-A9195244697E}"/>
+                <a16:creationId xmlns:a16="http://schemas.microsoft.com/office/drawing/2014/main" id="{BC2FAA29-B3FB-0DC9-B025-ED9B124C6AF3}"/>
               </a:ext>
             </a:extLst>
           </p:cNvPr>
@@ -252,7 +252,7 @@
           <a:bodyPr/>
           <a:lstStyle/>
           <a:p>
-            <a:fld id="{C8C510DD-6D3C-4D11-87FC-578073A830C9}" type="datetimeFigureOut">
+            <a:fld id="{EA5F34F9-7E3A-4387-8491-AC15DED3BE2B}" type="datetimeFigureOut">
               <a:rPr lang="zh-CN" altLang="en-US" smtClean="0"/>
               <a:t>2024/3/10</a:t>
             </a:fld>
@@ -265,7 +265,7 @@
           <p:cNvPr id="5" name="页脚占位符 4">
             <a:extLst>
               <a:ext uri="{FF2B5EF4-FFF2-40B4-BE49-F238E27FC236}">
-                <a16:creationId xmlns:a16="http://schemas.microsoft.com/office/drawing/2014/main" id="{3611B9C6-1C73-7560-B179-E50115FF5E81}"/>
+                <a16:creationId xmlns:a16="http://schemas.microsoft.com/office/drawing/2014/main" id="{11D4DC38-040E-DD3B-3108-182A5A77AF19}"/>
               </a:ext>
             </a:extLst>
           </p:cNvPr>
@@ -290,7 +290,7 @@
           <p:cNvPr id="6" name="灯片编号占位符 5">
             <a:extLst>
               <a:ext uri="{FF2B5EF4-FFF2-40B4-BE49-F238E27FC236}">
-                <a16:creationId xmlns:a16="http://schemas.microsoft.com/office/drawing/2014/main" id="{55B76D03-DE98-0ECE-FD56-B69E1065C2E3}"/>
+                <a16:creationId xmlns:a16="http://schemas.microsoft.com/office/drawing/2014/main" id="{5560F6E6-63D3-818E-0DC7-78531430D22D}"/>
               </a:ext>
             </a:extLst>
           </p:cNvPr>
@@ -306,7 +306,7 @@
           <a:bodyPr/>
           <a:lstStyle/>
           <a:p>
-            <a:fld id="{814D1028-32D3-4555-8BC8-7F0D6C689B4F}" type="slidenum">
+            <a:fld id="{233D1F18-3918-4238-B35F-B9447A45889F}" type="slidenum">
               <a:rPr lang="zh-CN" altLang="en-US" smtClean="0"/>
               <a:t>‹#›</a:t>
             </a:fld>
@@ -317,7 +317,7 @@
     </p:spTree>
     <p:extLst>
       <p:ext uri="{BB962C8B-B14F-4D97-AF65-F5344CB8AC3E}">
-        <p14:creationId xmlns:p14="http://schemas.microsoft.com/office/powerpoint/2010/main" val="2342839467"/>
+        <p14:creationId xmlns:p14="http://schemas.microsoft.com/office/powerpoint/2010/main" val="2286579446"/>
       </p:ext>
     </p:extLst>
   </p:cSld>
@@ -349,7 +349,7 @@
           <p:cNvPr id="2" name="标题 1">
             <a:extLst>
               <a:ext uri="{FF2B5EF4-FFF2-40B4-BE49-F238E27FC236}">
-                <a16:creationId xmlns:a16="http://schemas.microsoft.com/office/drawing/2014/main" id="{3C0E16C6-9436-86C0-3AB4-0C8B612B2CCB}"/>
+                <a16:creationId xmlns:a16="http://schemas.microsoft.com/office/drawing/2014/main" id="{5DE2519F-DD05-A617-891E-8A56D45E7EFE}"/>
               </a:ext>
             </a:extLst>
           </p:cNvPr>
@@ -377,7 +377,7 @@
           <p:cNvPr id="3" name="竖排文字占位符 2">
             <a:extLst>
               <a:ext uri="{FF2B5EF4-FFF2-40B4-BE49-F238E27FC236}">
-                <a16:creationId xmlns:a16="http://schemas.microsoft.com/office/drawing/2014/main" id="{3928B1D6-FFEF-0C40-536D-308D8F773420}"/>
+                <a16:creationId xmlns:a16="http://schemas.microsoft.com/office/drawing/2014/main" id="{C9E307DF-E3C8-55C8-415B-26291D729795}"/>
               </a:ext>
             </a:extLst>
           </p:cNvPr>
@@ -434,7 +434,7 @@
           <p:cNvPr id="4" name="日期占位符 3">
             <a:extLst>
               <a:ext uri="{FF2B5EF4-FFF2-40B4-BE49-F238E27FC236}">
-                <a16:creationId xmlns:a16="http://schemas.microsoft.com/office/drawing/2014/main" id="{896F8F1A-828D-7BAF-CDDE-E292331637B3}"/>
+                <a16:creationId xmlns:a16="http://schemas.microsoft.com/office/drawing/2014/main" id="{58F6F904-B156-5BB0-F336-4D4553BA0957}"/>
               </a:ext>
             </a:extLst>
           </p:cNvPr>
@@ -450,7 +450,7 @@
           <a:bodyPr/>
           <a:lstStyle/>
           <a:p>
-            <a:fld id="{C8C510DD-6D3C-4D11-87FC-578073A830C9}" type="datetimeFigureOut">
+            <a:fld id="{EA5F34F9-7E3A-4387-8491-AC15DED3BE2B}" type="datetimeFigureOut">
               <a:rPr lang="zh-CN" altLang="en-US" smtClean="0"/>
               <a:t>2024/3/10</a:t>
             </a:fld>
@@ -463,7 +463,7 @@
           <p:cNvPr id="5" name="页脚占位符 4">
             <a:extLst>
               <a:ext uri="{FF2B5EF4-FFF2-40B4-BE49-F238E27FC236}">
-                <a16:creationId xmlns:a16="http://schemas.microsoft.com/office/drawing/2014/main" id="{41944591-9B97-A9A6-F5D3-EFBE5950137B}"/>
+                <a16:creationId xmlns:a16="http://schemas.microsoft.com/office/drawing/2014/main" id="{3C42B674-F566-BEA8-1BD5-55DFE38E0EEF}"/>
               </a:ext>
             </a:extLst>
           </p:cNvPr>
@@ -488,7 +488,7 @@
           <p:cNvPr id="6" name="灯片编号占位符 5">
             <a:extLst>
               <a:ext uri="{FF2B5EF4-FFF2-40B4-BE49-F238E27FC236}">
-                <a16:creationId xmlns:a16="http://schemas.microsoft.com/office/drawing/2014/main" id="{B20413AF-31C0-E3AF-E514-D8B6A2BF5644}"/>
+                <a16:creationId xmlns:a16="http://schemas.microsoft.com/office/drawing/2014/main" id="{9691DB17-1CF1-D4BD-773A-A0452DCE0B57}"/>
               </a:ext>
             </a:extLst>
           </p:cNvPr>
@@ -504,7 +504,7 @@
           <a:bodyPr/>
           <a:lstStyle/>
           <a:p>
-            <a:fld id="{814D1028-32D3-4555-8BC8-7F0D6C689B4F}" type="slidenum">
+            <a:fld id="{233D1F18-3918-4238-B35F-B9447A45889F}" type="slidenum">
               <a:rPr lang="zh-CN" altLang="en-US" smtClean="0"/>
               <a:t>‹#›</a:t>
             </a:fld>
@@ -515,7 +515,7 @@
     </p:spTree>
     <p:extLst>
       <p:ext uri="{BB962C8B-B14F-4D97-AF65-F5344CB8AC3E}">
-        <p14:creationId xmlns:p14="http://schemas.microsoft.com/office/powerpoint/2010/main" val="3827876365"/>
+        <p14:creationId xmlns:p14="http://schemas.microsoft.com/office/powerpoint/2010/main" val="2476076706"/>
       </p:ext>
     </p:extLst>
   </p:cSld>
@@ -547,7 +547,7 @@
           <p:cNvPr id="2" name="竖排标题 1">
             <a:extLst>
               <a:ext uri="{FF2B5EF4-FFF2-40B4-BE49-F238E27FC236}">
-                <a16:creationId xmlns:a16="http://schemas.microsoft.com/office/drawing/2014/main" id="{ACB8F57E-2334-9D59-98F7-41C8B39D50C1}"/>
+                <a16:creationId xmlns:a16="http://schemas.microsoft.com/office/drawing/2014/main" id="{68426215-EEBE-665A-59F2-59E53DC54688}"/>
               </a:ext>
             </a:extLst>
           </p:cNvPr>
@@ -580,7 +580,7 @@
           <p:cNvPr id="3" name="竖排文字占位符 2">
             <a:extLst>
               <a:ext uri="{FF2B5EF4-FFF2-40B4-BE49-F238E27FC236}">
-                <a16:creationId xmlns:a16="http://schemas.microsoft.com/office/drawing/2014/main" id="{CE5E0FF0-ED43-FB54-A69D-666527026A80}"/>
+                <a16:creationId xmlns:a16="http://schemas.microsoft.com/office/drawing/2014/main" id="{8DD24DB1-6D27-D167-51D8-71DA7BF7DC71}"/>
               </a:ext>
             </a:extLst>
           </p:cNvPr>
@@ -642,7 +642,7 @@
           <p:cNvPr id="4" name="日期占位符 3">
             <a:extLst>
               <a:ext uri="{FF2B5EF4-FFF2-40B4-BE49-F238E27FC236}">
-                <a16:creationId xmlns:a16="http://schemas.microsoft.com/office/drawing/2014/main" id="{DB2EB7DF-7A3C-D94D-588A-887309ADDC84}"/>
+                <a16:creationId xmlns:a16="http://schemas.microsoft.com/office/drawing/2014/main" id="{DCD121FE-03A9-7C6E-E687-C3D2558E9ABD}"/>
               </a:ext>
             </a:extLst>
           </p:cNvPr>
@@ -658,7 +658,7 @@
           <a:bodyPr/>
           <a:lstStyle/>
           <a:p>
-            <a:fld id="{C8C510DD-6D3C-4D11-87FC-578073A830C9}" type="datetimeFigureOut">
+            <a:fld id="{EA5F34F9-7E3A-4387-8491-AC15DED3BE2B}" type="datetimeFigureOut">
               <a:rPr lang="zh-CN" altLang="en-US" smtClean="0"/>
               <a:t>2024/3/10</a:t>
             </a:fld>
@@ -671,7 +671,7 @@
           <p:cNvPr id="5" name="页脚占位符 4">
             <a:extLst>
               <a:ext uri="{FF2B5EF4-FFF2-40B4-BE49-F238E27FC236}">
-                <a16:creationId xmlns:a16="http://schemas.microsoft.com/office/drawing/2014/main" id="{B1558DCD-CE16-FCB9-742F-DA7B91F1888C}"/>
+                <a16:creationId xmlns:a16="http://schemas.microsoft.com/office/drawing/2014/main" id="{7CAFFEE2-3479-8CE3-FE0D-AB6A1E31C7CE}"/>
               </a:ext>
             </a:extLst>
           </p:cNvPr>
@@ -696,7 +696,7 @@
           <p:cNvPr id="6" name="灯片编号占位符 5">
             <a:extLst>
               <a:ext uri="{FF2B5EF4-FFF2-40B4-BE49-F238E27FC236}">
-                <a16:creationId xmlns:a16="http://schemas.microsoft.com/office/drawing/2014/main" id="{3BFBAEC4-F096-37ED-8E95-9F134DEEE393}"/>
+                <a16:creationId xmlns:a16="http://schemas.microsoft.com/office/drawing/2014/main" id="{0C274B36-0372-69D0-19BB-26A0BAF9073A}"/>
               </a:ext>
             </a:extLst>
           </p:cNvPr>
@@ -712,7 +712,7 @@
           <a:bodyPr/>
           <a:lstStyle/>
           <a:p>
-            <a:fld id="{814D1028-32D3-4555-8BC8-7F0D6C689B4F}" type="slidenum">
+            <a:fld id="{233D1F18-3918-4238-B35F-B9447A45889F}" type="slidenum">
               <a:rPr lang="zh-CN" altLang="en-US" smtClean="0"/>
               <a:t>‹#›</a:t>
             </a:fld>
@@ -723,7 +723,7 @@
     </p:spTree>
     <p:extLst>
       <p:ext uri="{BB962C8B-B14F-4D97-AF65-F5344CB8AC3E}">
-        <p14:creationId xmlns:p14="http://schemas.microsoft.com/office/powerpoint/2010/main" val="674769949"/>
+        <p14:creationId xmlns:p14="http://schemas.microsoft.com/office/powerpoint/2010/main" val="355817392"/>
       </p:ext>
     </p:extLst>
   </p:cSld>
@@ -755,7 +755,7 @@
           <p:cNvPr id="2" name="标题 1">
             <a:extLst>
               <a:ext uri="{FF2B5EF4-FFF2-40B4-BE49-F238E27FC236}">
-                <a16:creationId xmlns:a16="http://schemas.microsoft.com/office/drawing/2014/main" id="{C2B09CCD-4664-F990-A8AB-51DEF3C54B1B}"/>
+                <a16:creationId xmlns:a16="http://schemas.microsoft.com/office/drawing/2014/main" id="{9709D3AD-E6AC-B62A-D514-797B38E2D6F8}"/>
               </a:ext>
             </a:extLst>
           </p:cNvPr>
@@ -783,7 +783,7 @@
           <p:cNvPr id="3" name="内容占位符 2">
             <a:extLst>
               <a:ext uri="{FF2B5EF4-FFF2-40B4-BE49-F238E27FC236}">
-                <a16:creationId xmlns:a16="http://schemas.microsoft.com/office/drawing/2014/main" id="{0C97801E-974A-5675-ABE8-058236E8AAA8}"/>
+                <a16:creationId xmlns:a16="http://schemas.microsoft.com/office/drawing/2014/main" id="{0941639D-2D7F-37CB-8B82-3742AA6E5260}"/>
               </a:ext>
             </a:extLst>
           </p:cNvPr>
@@ -840,7 +840,7 @@
           <p:cNvPr id="4" name="日期占位符 3">
             <a:extLst>
               <a:ext uri="{FF2B5EF4-FFF2-40B4-BE49-F238E27FC236}">
-                <a16:creationId xmlns:a16="http://schemas.microsoft.com/office/drawing/2014/main" id="{192746B0-6B44-F62C-3595-087F9F1E0FD8}"/>
+                <a16:creationId xmlns:a16="http://schemas.microsoft.com/office/drawing/2014/main" id="{4E144335-E9FF-2ABA-DB24-BDB4BDCB192B}"/>
               </a:ext>
             </a:extLst>
           </p:cNvPr>
@@ -856,7 +856,7 @@
           <a:bodyPr/>
           <a:lstStyle/>
           <a:p>
-            <a:fld id="{C8C510DD-6D3C-4D11-87FC-578073A830C9}" type="datetimeFigureOut">
+            <a:fld id="{EA5F34F9-7E3A-4387-8491-AC15DED3BE2B}" type="datetimeFigureOut">
               <a:rPr lang="zh-CN" altLang="en-US" smtClean="0"/>
               <a:t>2024/3/10</a:t>
             </a:fld>
@@ -869,7 +869,7 @@
           <p:cNvPr id="5" name="页脚占位符 4">
             <a:extLst>
               <a:ext uri="{FF2B5EF4-FFF2-40B4-BE49-F238E27FC236}">
-                <a16:creationId xmlns:a16="http://schemas.microsoft.com/office/drawing/2014/main" id="{C6287920-0E48-6162-4823-0C7F3BC1AADC}"/>
+                <a16:creationId xmlns:a16="http://schemas.microsoft.com/office/drawing/2014/main" id="{FF8A3A64-124C-5A89-DEED-DA95AA03C295}"/>
               </a:ext>
             </a:extLst>
           </p:cNvPr>
@@ -894,7 +894,7 @@
           <p:cNvPr id="6" name="灯片编号占位符 5">
             <a:extLst>
               <a:ext uri="{FF2B5EF4-FFF2-40B4-BE49-F238E27FC236}">
-                <a16:creationId xmlns:a16="http://schemas.microsoft.com/office/drawing/2014/main" id="{6BBEF18A-EBAB-4A5C-6CD8-1E1C2B24C1DB}"/>
+                <a16:creationId xmlns:a16="http://schemas.microsoft.com/office/drawing/2014/main" id="{D85A7CF6-4C23-DC5D-7EDC-CB9005E606E7}"/>
               </a:ext>
             </a:extLst>
           </p:cNvPr>
@@ -910,7 +910,7 @@
           <a:bodyPr/>
           <a:lstStyle/>
           <a:p>
-            <a:fld id="{814D1028-32D3-4555-8BC8-7F0D6C689B4F}" type="slidenum">
+            <a:fld id="{233D1F18-3918-4238-B35F-B9447A45889F}" type="slidenum">
               <a:rPr lang="zh-CN" altLang="en-US" smtClean="0"/>
               <a:t>‹#›</a:t>
             </a:fld>
@@ -921,7 +921,7 @@
     </p:spTree>
     <p:extLst>
       <p:ext uri="{BB962C8B-B14F-4D97-AF65-F5344CB8AC3E}">
-        <p14:creationId xmlns:p14="http://schemas.microsoft.com/office/powerpoint/2010/main" val="3247593791"/>
+        <p14:creationId xmlns:p14="http://schemas.microsoft.com/office/powerpoint/2010/main" val="165097587"/>
       </p:ext>
     </p:extLst>
   </p:cSld>
@@ -953,7 +953,7 @@
           <p:cNvPr id="2" name="标题 1">
             <a:extLst>
               <a:ext uri="{FF2B5EF4-FFF2-40B4-BE49-F238E27FC236}">
-                <a16:creationId xmlns:a16="http://schemas.microsoft.com/office/drawing/2014/main" id="{5D74B08B-98FD-4B81-ECBE-138B4FC94AF0}"/>
+                <a16:creationId xmlns:a16="http://schemas.microsoft.com/office/drawing/2014/main" id="{56947135-ACE9-E701-32D6-8D29DBC89177}"/>
               </a:ext>
             </a:extLst>
           </p:cNvPr>
@@ -990,7 +990,7 @@
           <p:cNvPr id="3" name="文本占位符 2">
             <a:extLst>
               <a:ext uri="{FF2B5EF4-FFF2-40B4-BE49-F238E27FC236}">
-                <a16:creationId xmlns:a16="http://schemas.microsoft.com/office/drawing/2014/main" id="{5AE290D0-4D8E-3F4C-7D4B-A5130E4F08E5}"/>
+                <a16:creationId xmlns:a16="http://schemas.microsoft.com/office/drawing/2014/main" id="{7DE2873D-CD1E-8140-6DF1-6A1913D85A9C}"/>
               </a:ext>
             </a:extLst>
           </p:cNvPr>
@@ -1115,7 +1115,7 @@
           <p:cNvPr id="4" name="日期占位符 3">
             <a:extLst>
               <a:ext uri="{FF2B5EF4-FFF2-40B4-BE49-F238E27FC236}">
-                <a16:creationId xmlns:a16="http://schemas.microsoft.com/office/drawing/2014/main" id="{D2729E9D-262B-44B2-2234-C2C07D84D619}"/>
+                <a16:creationId xmlns:a16="http://schemas.microsoft.com/office/drawing/2014/main" id="{99FD8753-1007-4BFE-1ACA-3D264547809B}"/>
               </a:ext>
             </a:extLst>
           </p:cNvPr>
@@ -1131,7 +1131,7 @@
           <a:bodyPr/>
           <a:lstStyle/>
           <a:p>
-            <a:fld id="{C8C510DD-6D3C-4D11-87FC-578073A830C9}" type="datetimeFigureOut">
+            <a:fld id="{EA5F34F9-7E3A-4387-8491-AC15DED3BE2B}" type="datetimeFigureOut">
               <a:rPr lang="zh-CN" altLang="en-US" smtClean="0"/>
               <a:t>2024/3/10</a:t>
             </a:fld>
@@ -1144,7 +1144,7 @@
           <p:cNvPr id="5" name="页脚占位符 4">
             <a:extLst>
               <a:ext uri="{FF2B5EF4-FFF2-40B4-BE49-F238E27FC236}">
-                <a16:creationId xmlns:a16="http://schemas.microsoft.com/office/drawing/2014/main" id="{BD504287-6F05-1D32-9C86-C3665263FC57}"/>
+                <a16:creationId xmlns:a16="http://schemas.microsoft.com/office/drawing/2014/main" id="{CA007C1C-9FBF-EEB8-C723-7497577846C4}"/>
               </a:ext>
             </a:extLst>
           </p:cNvPr>
@@ -1169,7 +1169,7 @@
           <p:cNvPr id="6" name="灯片编号占位符 5">
             <a:extLst>
               <a:ext uri="{FF2B5EF4-FFF2-40B4-BE49-F238E27FC236}">
-                <a16:creationId xmlns:a16="http://schemas.microsoft.com/office/drawing/2014/main" id="{BE820985-7D05-7F33-2F1E-33B8BDA43FCC}"/>
+                <a16:creationId xmlns:a16="http://schemas.microsoft.com/office/drawing/2014/main" id="{A9C5BE02-1669-CB4E-67AA-8F448F2F2E90}"/>
               </a:ext>
             </a:extLst>
           </p:cNvPr>
@@ -1185,7 +1185,7 @@
           <a:bodyPr/>
           <a:lstStyle/>
           <a:p>
-            <a:fld id="{814D1028-32D3-4555-8BC8-7F0D6C689B4F}" type="slidenum">
+            <a:fld id="{233D1F18-3918-4238-B35F-B9447A45889F}" type="slidenum">
               <a:rPr lang="zh-CN" altLang="en-US" smtClean="0"/>
               <a:t>‹#›</a:t>
             </a:fld>
@@ -1196,7 +1196,7 @@
     </p:spTree>
     <p:extLst>
       <p:ext uri="{BB962C8B-B14F-4D97-AF65-F5344CB8AC3E}">
-        <p14:creationId xmlns:p14="http://schemas.microsoft.com/office/powerpoint/2010/main" val="423947478"/>
+        <p14:creationId xmlns:p14="http://schemas.microsoft.com/office/powerpoint/2010/main" val="1809165431"/>
       </p:ext>
     </p:extLst>
   </p:cSld>
@@ -1228,7 +1228,7 @@
           <p:cNvPr id="2" name="标题 1">
             <a:extLst>
               <a:ext uri="{FF2B5EF4-FFF2-40B4-BE49-F238E27FC236}">
-                <a16:creationId xmlns:a16="http://schemas.microsoft.com/office/drawing/2014/main" id="{7AD92519-072A-CFDD-D501-2F24771071E5}"/>
+                <a16:creationId xmlns:a16="http://schemas.microsoft.com/office/drawing/2014/main" id="{392442EF-8B38-F871-302C-C9F1595F453E}"/>
               </a:ext>
             </a:extLst>
           </p:cNvPr>
@@ -1256,7 +1256,7 @@
           <p:cNvPr id="3" name="内容占位符 2">
             <a:extLst>
               <a:ext uri="{FF2B5EF4-FFF2-40B4-BE49-F238E27FC236}">
-                <a16:creationId xmlns:a16="http://schemas.microsoft.com/office/drawing/2014/main" id="{A33A9C45-ACDF-B090-216B-5572C20AEF1F}"/>
+                <a16:creationId xmlns:a16="http://schemas.microsoft.com/office/drawing/2014/main" id="{0D8664F3-C9D4-3361-4277-28F424A7BEEB}"/>
               </a:ext>
             </a:extLst>
           </p:cNvPr>
@@ -1318,7 +1318,7 @@
           <p:cNvPr id="4" name="内容占位符 3">
             <a:extLst>
               <a:ext uri="{FF2B5EF4-FFF2-40B4-BE49-F238E27FC236}">
-                <a16:creationId xmlns:a16="http://schemas.microsoft.com/office/drawing/2014/main" id="{86F0293A-AB24-B289-450A-66F1333C6A94}"/>
+                <a16:creationId xmlns:a16="http://schemas.microsoft.com/office/drawing/2014/main" id="{0BCB7AF9-EA40-2604-51A9-FCB91E1F9741}"/>
               </a:ext>
             </a:extLst>
           </p:cNvPr>
@@ -1380,7 +1380,7 @@
           <p:cNvPr id="5" name="日期占位符 4">
             <a:extLst>
               <a:ext uri="{FF2B5EF4-FFF2-40B4-BE49-F238E27FC236}">
-                <a16:creationId xmlns:a16="http://schemas.microsoft.com/office/drawing/2014/main" id="{D43CABBF-A560-DE53-5C66-CA666730220E}"/>
+                <a16:creationId xmlns:a16="http://schemas.microsoft.com/office/drawing/2014/main" id="{F5B1C82C-FD07-338F-6ADA-FDF35DA6C44F}"/>
               </a:ext>
             </a:extLst>
           </p:cNvPr>
@@ -1396,7 +1396,7 @@
           <a:bodyPr/>
           <a:lstStyle/>
           <a:p>
-            <a:fld id="{C8C510DD-6D3C-4D11-87FC-578073A830C9}" type="datetimeFigureOut">
+            <a:fld id="{EA5F34F9-7E3A-4387-8491-AC15DED3BE2B}" type="datetimeFigureOut">
               <a:rPr lang="zh-CN" altLang="en-US" smtClean="0"/>
               <a:t>2024/3/10</a:t>
             </a:fld>
@@ -1409,7 +1409,7 @@
           <p:cNvPr id="6" name="页脚占位符 5">
             <a:extLst>
               <a:ext uri="{FF2B5EF4-FFF2-40B4-BE49-F238E27FC236}">
-                <a16:creationId xmlns:a16="http://schemas.microsoft.com/office/drawing/2014/main" id="{2A617493-4353-8B51-C27B-21B13791A935}"/>
+                <a16:creationId xmlns:a16="http://schemas.microsoft.com/office/drawing/2014/main" id="{190826F1-1655-24E8-0C01-A7705F492379}"/>
               </a:ext>
             </a:extLst>
           </p:cNvPr>
@@ -1434,7 +1434,7 @@
           <p:cNvPr id="7" name="灯片编号占位符 6">
             <a:extLst>
               <a:ext uri="{FF2B5EF4-FFF2-40B4-BE49-F238E27FC236}">
-                <a16:creationId xmlns:a16="http://schemas.microsoft.com/office/drawing/2014/main" id="{9D40CA67-F072-BA44-FCCA-DB224D0A0E77}"/>
+                <a16:creationId xmlns:a16="http://schemas.microsoft.com/office/drawing/2014/main" id="{A9BD8CDC-3523-364B-11BC-8F6268E2CE78}"/>
               </a:ext>
             </a:extLst>
           </p:cNvPr>
@@ -1450,7 +1450,7 @@
           <a:bodyPr/>
           <a:lstStyle/>
           <a:p>
-            <a:fld id="{814D1028-32D3-4555-8BC8-7F0D6C689B4F}" type="slidenum">
+            <a:fld id="{233D1F18-3918-4238-B35F-B9447A45889F}" type="slidenum">
               <a:rPr lang="zh-CN" altLang="en-US" smtClean="0"/>
               <a:t>‹#›</a:t>
             </a:fld>
@@ -1461,7 +1461,7 @@
     </p:spTree>
     <p:extLst>
       <p:ext uri="{BB962C8B-B14F-4D97-AF65-F5344CB8AC3E}">
-        <p14:creationId xmlns:p14="http://schemas.microsoft.com/office/powerpoint/2010/main" val="304689456"/>
+        <p14:creationId xmlns:p14="http://schemas.microsoft.com/office/powerpoint/2010/main" val="2748984554"/>
       </p:ext>
     </p:extLst>
   </p:cSld>
@@ -1493,7 +1493,7 @@
           <p:cNvPr id="2" name="标题 1">
             <a:extLst>
               <a:ext uri="{FF2B5EF4-FFF2-40B4-BE49-F238E27FC236}">
-                <a16:creationId xmlns:a16="http://schemas.microsoft.com/office/drawing/2014/main" id="{DE06945C-17F8-04B8-B44F-778A230E761A}"/>
+                <a16:creationId xmlns:a16="http://schemas.microsoft.com/office/drawing/2014/main" id="{B745D7FB-C6C7-1403-B596-34810CEB6700}"/>
               </a:ext>
             </a:extLst>
           </p:cNvPr>
@@ -1526,7 +1526,7 @@
           <p:cNvPr id="3" name="文本占位符 2">
             <a:extLst>
               <a:ext uri="{FF2B5EF4-FFF2-40B4-BE49-F238E27FC236}">
-                <a16:creationId xmlns:a16="http://schemas.microsoft.com/office/drawing/2014/main" id="{57073D1D-92D2-4FF6-8803-1892F337994C}"/>
+                <a16:creationId xmlns:a16="http://schemas.microsoft.com/office/drawing/2014/main" id="{CE68434F-EACA-F3FA-867F-071D93330F1D}"/>
               </a:ext>
             </a:extLst>
           </p:cNvPr>
@@ -1597,7 +1597,7 @@
           <p:cNvPr id="4" name="内容占位符 3">
             <a:extLst>
               <a:ext uri="{FF2B5EF4-FFF2-40B4-BE49-F238E27FC236}">
-                <a16:creationId xmlns:a16="http://schemas.microsoft.com/office/drawing/2014/main" id="{8FF69D74-ED57-6875-6692-51D1CF1705D0}"/>
+                <a16:creationId xmlns:a16="http://schemas.microsoft.com/office/drawing/2014/main" id="{B7D81C42-7BC0-70F7-290D-D11933DC96EF}"/>
               </a:ext>
             </a:extLst>
           </p:cNvPr>
@@ -1659,7 +1659,7 @@
           <p:cNvPr id="5" name="文本占位符 4">
             <a:extLst>
               <a:ext uri="{FF2B5EF4-FFF2-40B4-BE49-F238E27FC236}">
-                <a16:creationId xmlns:a16="http://schemas.microsoft.com/office/drawing/2014/main" id="{5F6FED44-96EB-599B-2851-7CB9358DBF42}"/>
+                <a16:creationId xmlns:a16="http://schemas.microsoft.com/office/drawing/2014/main" id="{F87B119A-95F6-E231-91AC-4A3E49D6B245}"/>
               </a:ext>
             </a:extLst>
           </p:cNvPr>
@@ -1730,7 +1730,7 @@
           <p:cNvPr id="6" name="内容占位符 5">
             <a:extLst>
               <a:ext uri="{FF2B5EF4-FFF2-40B4-BE49-F238E27FC236}">
-                <a16:creationId xmlns:a16="http://schemas.microsoft.com/office/drawing/2014/main" id="{BDDB7914-109A-3789-5E1B-08E22CCDC6F3}"/>
+                <a16:creationId xmlns:a16="http://schemas.microsoft.com/office/drawing/2014/main" id="{41653FCE-3993-8D07-CA92-CFDCBD7339EF}"/>
               </a:ext>
             </a:extLst>
           </p:cNvPr>
@@ -1792,7 +1792,7 @@
           <p:cNvPr id="7" name="日期占位符 6">
             <a:extLst>
               <a:ext uri="{FF2B5EF4-FFF2-40B4-BE49-F238E27FC236}">
-                <a16:creationId xmlns:a16="http://schemas.microsoft.com/office/drawing/2014/main" id="{847BC779-5D8B-A55C-EDC2-CD97558FB221}"/>
+                <a16:creationId xmlns:a16="http://schemas.microsoft.com/office/drawing/2014/main" id="{29318C7D-AC7C-2FD7-F279-565AC94C6AFE}"/>
               </a:ext>
             </a:extLst>
           </p:cNvPr>
@@ -1808,7 +1808,7 @@
           <a:bodyPr/>
           <a:lstStyle/>
           <a:p>
-            <a:fld id="{C8C510DD-6D3C-4D11-87FC-578073A830C9}" type="datetimeFigureOut">
+            <a:fld id="{EA5F34F9-7E3A-4387-8491-AC15DED3BE2B}" type="datetimeFigureOut">
               <a:rPr lang="zh-CN" altLang="en-US" smtClean="0"/>
               <a:t>2024/3/10</a:t>
             </a:fld>
@@ -1821,7 +1821,7 @@
           <p:cNvPr id="8" name="页脚占位符 7">
             <a:extLst>
               <a:ext uri="{FF2B5EF4-FFF2-40B4-BE49-F238E27FC236}">
-                <a16:creationId xmlns:a16="http://schemas.microsoft.com/office/drawing/2014/main" id="{22704E51-E2D6-DEA4-C481-D471D58E7D41}"/>
+                <a16:creationId xmlns:a16="http://schemas.microsoft.com/office/drawing/2014/main" id="{99689536-BD8A-1B6E-5541-93D1A1AED186}"/>
               </a:ext>
             </a:extLst>
           </p:cNvPr>
@@ -1846,7 +1846,7 @@
           <p:cNvPr id="9" name="灯片编号占位符 8">
             <a:extLst>
               <a:ext uri="{FF2B5EF4-FFF2-40B4-BE49-F238E27FC236}">
-                <a16:creationId xmlns:a16="http://schemas.microsoft.com/office/drawing/2014/main" id="{16023CE3-0BFA-33B5-60AA-D00A5BD9254B}"/>
+                <a16:creationId xmlns:a16="http://schemas.microsoft.com/office/drawing/2014/main" id="{B0CC99EB-4881-7EE5-2B16-162DB61C1087}"/>
               </a:ext>
             </a:extLst>
           </p:cNvPr>
@@ -1862,7 +1862,7 @@
           <a:bodyPr/>
           <a:lstStyle/>
           <a:p>
-            <a:fld id="{814D1028-32D3-4555-8BC8-7F0D6C689B4F}" type="slidenum">
+            <a:fld id="{233D1F18-3918-4238-B35F-B9447A45889F}" type="slidenum">
               <a:rPr lang="zh-CN" altLang="en-US" smtClean="0"/>
               <a:t>‹#›</a:t>
             </a:fld>
@@ -1873,7 +1873,7 @@
     </p:spTree>
     <p:extLst>
       <p:ext uri="{BB962C8B-B14F-4D97-AF65-F5344CB8AC3E}">
-        <p14:creationId xmlns:p14="http://schemas.microsoft.com/office/powerpoint/2010/main" val="3719251594"/>
+        <p14:creationId xmlns:p14="http://schemas.microsoft.com/office/powerpoint/2010/main" val="4283318528"/>
       </p:ext>
     </p:extLst>
   </p:cSld>
@@ -1905,7 +1905,7 @@
           <p:cNvPr id="2" name="标题 1">
             <a:extLst>
               <a:ext uri="{FF2B5EF4-FFF2-40B4-BE49-F238E27FC236}">
-                <a16:creationId xmlns:a16="http://schemas.microsoft.com/office/drawing/2014/main" id="{D3DA8D5B-70FC-21FA-B79E-F8AD8792CA2F}"/>
+                <a16:creationId xmlns:a16="http://schemas.microsoft.com/office/drawing/2014/main" id="{F41C9161-96E3-B4D1-6E5B-ABEA1E8687D0}"/>
               </a:ext>
             </a:extLst>
           </p:cNvPr>
@@ -1933,7 +1933,7 @@
           <p:cNvPr id="3" name="日期占位符 2">
             <a:extLst>
               <a:ext uri="{FF2B5EF4-FFF2-40B4-BE49-F238E27FC236}">
-                <a16:creationId xmlns:a16="http://schemas.microsoft.com/office/drawing/2014/main" id="{BC4D594E-64C9-B0D0-7CC0-BBA18024562B}"/>
+                <a16:creationId xmlns:a16="http://schemas.microsoft.com/office/drawing/2014/main" id="{8330D910-29FF-D288-FC58-25FC9C6310B3}"/>
               </a:ext>
             </a:extLst>
           </p:cNvPr>
@@ -1949,7 +1949,7 @@
           <a:bodyPr/>
           <a:lstStyle/>
           <a:p>
-            <a:fld id="{C8C510DD-6D3C-4D11-87FC-578073A830C9}" type="datetimeFigureOut">
+            <a:fld id="{EA5F34F9-7E3A-4387-8491-AC15DED3BE2B}" type="datetimeFigureOut">
               <a:rPr lang="zh-CN" altLang="en-US" smtClean="0"/>
               <a:t>2024/3/10</a:t>
             </a:fld>
@@ -1962,7 +1962,7 @@
           <p:cNvPr id="4" name="页脚占位符 3">
             <a:extLst>
               <a:ext uri="{FF2B5EF4-FFF2-40B4-BE49-F238E27FC236}">
-                <a16:creationId xmlns:a16="http://schemas.microsoft.com/office/drawing/2014/main" id="{C3563683-4107-5D80-4EA5-A2D0CE745174}"/>
+                <a16:creationId xmlns:a16="http://schemas.microsoft.com/office/drawing/2014/main" id="{85548DEA-738D-B07E-1432-3C5BD1194685}"/>
               </a:ext>
             </a:extLst>
           </p:cNvPr>
@@ -1987,7 +1987,7 @@
           <p:cNvPr id="5" name="灯片编号占位符 4">
             <a:extLst>
               <a:ext uri="{FF2B5EF4-FFF2-40B4-BE49-F238E27FC236}">
-                <a16:creationId xmlns:a16="http://schemas.microsoft.com/office/drawing/2014/main" id="{44DC08B5-1135-E11E-8A2E-00566447EFCC}"/>
+                <a16:creationId xmlns:a16="http://schemas.microsoft.com/office/drawing/2014/main" id="{EBDC99B5-7852-DB74-2459-F4EABC4FD78F}"/>
               </a:ext>
             </a:extLst>
           </p:cNvPr>
@@ -2003,7 +2003,7 @@
           <a:bodyPr/>
           <a:lstStyle/>
           <a:p>
-            <a:fld id="{814D1028-32D3-4555-8BC8-7F0D6C689B4F}" type="slidenum">
+            <a:fld id="{233D1F18-3918-4238-B35F-B9447A45889F}" type="slidenum">
               <a:rPr lang="zh-CN" altLang="en-US" smtClean="0"/>
               <a:t>‹#›</a:t>
             </a:fld>
@@ -2014,7 +2014,7 @@
     </p:spTree>
     <p:extLst>
       <p:ext uri="{BB962C8B-B14F-4D97-AF65-F5344CB8AC3E}">
-        <p14:creationId xmlns:p14="http://schemas.microsoft.com/office/powerpoint/2010/main" val="1194235088"/>
+        <p14:creationId xmlns:p14="http://schemas.microsoft.com/office/powerpoint/2010/main" val="591898549"/>
       </p:ext>
     </p:extLst>
   </p:cSld>
@@ -2046,7 +2046,7 @@
           <p:cNvPr id="2" name="日期占位符 1">
             <a:extLst>
               <a:ext uri="{FF2B5EF4-FFF2-40B4-BE49-F238E27FC236}">
-                <a16:creationId xmlns:a16="http://schemas.microsoft.com/office/drawing/2014/main" id="{F6FB3B5C-4FD1-EADE-9F13-23CEE151FFF5}"/>
+                <a16:creationId xmlns:a16="http://schemas.microsoft.com/office/drawing/2014/main" id="{B55348F1-C98B-F3D5-A83D-5C40CE4089AB}"/>
               </a:ext>
             </a:extLst>
           </p:cNvPr>
@@ -2062,7 +2062,7 @@
           <a:bodyPr/>
           <a:lstStyle/>
           <a:p>
-            <a:fld id="{C8C510DD-6D3C-4D11-87FC-578073A830C9}" type="datetimeFigureOut">
+            <a:fld id="{EA5F34F9-7E3A-4387-8491-AC15DED3BE2B}" type="datetimeFigureOut">
               <a:rPr lang="zh-CN" altLang="en-US" smtClean="0"/>
               <a:t>2024/3/10</a:t>
             </a:fld>
@@ -2075,7 +2075,7 @@
           <p:cNvPr id="3" name="页脚占位符 2">
             <a:extLst>
               <a:ext uri="{FF2B5EF4-FFF2-40B4-BE49-F238E27FC236}">
-                <a16:creationId xmlns:a16="http://schemas.microsoft.com/office/drawing/2014/main" id="{AE57CB0B-C308-21E5-3D85-68B4D29FA95C}"/>
+                <a16:creationId xmlns:a16="http://schemas.microsoft.com/office/drawing/2014/main" id="{A51BC28F-5027-802F-9EF1-6A13ECA56B39}"/>
               </a:ext>
             </a:extLst>
           </p:cNvPr>
@@ -2100,7 +2100,7 @@
           <p:cNvPr id="4" name="灯片编号占位符 3">
             <a:extLst>
               <a:ext uri="{FF2B5EF4-FFF2-40B4-BE49-F238E27FC236}">
-                <a16:creationId xmlns:a16="http://schemas.microsoft.com/office/drawing/2014/main" id="{A5FDDFFF-7EC8-6B94-C900-5D782405CF94}"/>
+                <a16:creationId xmlns:a16="http://schemas.microsoft.com/office/drawing/2014/main" id="{7BF06CED-ED37-8C72-03B7-AE7293187898}"/>
               </a:ext>
             </a:extLst>
           </p:cNvPr>
@@ -2116,7 +2116,7 @@
           <a:bodyPr/>
           <a:lstStyle/>
           <a:p>
-            <a:fld id="{814D1028-32D3-4555-8BC8-7F0D6C689B4F}" type="slidenum">
+            <a:fld id="{233D1F18-3918-4238-B35F-B9447A45889F}" type="slidenum">
               <a:rPr lang="zh-CN" altLang="en-US" smtClean="0"/>
               <a:t>‹#›</a:t>
             </a:fld>
@@ -2127,7 +2127,7 @@
     </p:spTree>
     <p:extLst>
       <p:ext uri="{BB962C8B-B14F-4D97-AF65-F5344CB8AC3E}">
-        <p14:creationId xmlns:p14="http://schemas.microsoft.com/office/powerpoint/2010/main" val="573347510"/>
+        <p14:creationId xmlns:p14="http://schemas.microsoft.com/office/powerpoint/2010/main" val="2539076843"/>
       </p:ext>
     </p:extLst>
   </p:cSld>
@@ -2159,7 +2159,7 @@
           <p:cNvPr id="2" name="标题 1">
             <a:extLst>
               <a:ext uri="{FF2B5EF4-FFF2-40B4-BE49-F238E27FC236}">
-                <a16:creationId xmlns:a16="http://schemas.microsoft.com/office/drawing/2014/main" id="{9BE12BA4-791D-B92F-B721-E1DE7FC24EED}"/>
+                <a16:creationId xmlns:a16="http://schemas.microsoft.com/office/drawing/2014/main" id="{3DE21F74-00C1-B2A8-9159-FE332AC595F1}"/>
               </a:ext>
             </a:extLst>
           </p:cNvPr>
@@ -2196,7 +2196,7 @@
           <p:cNvPr id="3" name="内容占位符 2">
             <a:extLst>
               <a:ext uri="{FF2B5EF4-FFF2-40B4-BE49-F238E27FC236}">
-                <a16:creationId xmlns:a16="http://schemas.microsoft.com/office/drawing/2014/main" id="{73E06031-C5D0-42A4-4EFE-1DBFC1577230}"/>
+                <a16:creationId xmlns:a16="http://schemas.microsoft.com/office/drawing/2014/main" id="{3846CD12-8FA2-9926-A28F-7BF7ADE4BE79}"/>
               </a:ext>
             </a:extLst>
           </p:cNvPr>
@@ -2286,7 +2286,7 @@
           <p:cNvPr id="4" name="文本占位符 3">
             <a:extLst>
               <a:ext uri="{FF2B5EF4-FFF2-40B4-BE49-F238E27FC236}">
-                <a16:creationId xmlns:a16="http://schemas.microsoft.com/office/drawing/2014/main" id="{908333D3-E0BB-0CD4-B52A-EA0F6E8A59BE}"/>
+                <a16:creationId xmlns:a16="http://schemas.microsoft.com/office/drawing/2014/main" id="{F81BA28A-BDB7-6DE2-B02E-F03E233E751E}"/>
               </a:ext>
             </a:extLst>
           </p:cNvPr>
@@ -2357,7 +2357,7 @@
           <p:cNvPr id="5" name="日期占位符 4">
             <a:extLst>
               <a:ext uri="{FF2B5EF4-FFF2-40B4-BE49-F238E27FC236}">
-                <a16:creationId xmlns:a16="http://schemas.microsoft.com/office/drawing/2014/main" id="{465D2A4D-9681-9C13-B332-B9AC4FC88168}"/>
+                <a16:creationId xmlns:a16="http://schemas.microsoft.com/office/drawing/2014/main" id="{814BF8CE-B2AA-0327-4EE9-98C8BB4DADD6}"/>
               </a:ext>
             </a:extLst>
           </p:cNvPr>
@@ -2373,7 +2373,7 @@
           <a:bodyPr/>
           <a:lstStyle/>
           <a:p>
-            <a:fld id="{C8C510DD-6D3C-4D11-87FC-578073A830C9}" type="datetimeFigureOut">
+            <a:fld id="{EA5F34F9-7E3A-4387-8491-AC15DED3BE2B}" type="datetimeFigureOut">
               <a:rPr lang="zh-CN" altLang="en-US" smtClean="0"/>
               <a:t>2024/3/10</a:t>
             </a:fld>
@@ -2386,7 +2386,7 @@
           <p:cNvPr id="6" name="页脚占位符 5">
             <a:extLst>
               <a:ext uri="{FF2B5EF4-FFF2-40B4-BE49-F238E27FC236}">
-                <a16:creationId xmlns:a16="http://schemas.microsoft.com/office/drawing/2014/main" id="{F0BF5422-C8C6-C12B-ACF7-371698370CCF}"/>
+                <a16:creationId xmlns:a16="http://schemas.microsoft.com/office/drawing/2014/main" id="{D5BD59C9-42BE-19BD-A70E-EB14D0F14777}"/>
               </a:ext>
             </a:extLst>
           </p:cNvPr>
@@ -2411,7 +2411,7 @@
           <p:cNvPr id="7" name="灯片编号占位符 6">
             <a:extLst>
               <a:ext uri="{FF2B5EF4-FFF2-40B4-BE49-F238E27FC236}">
-                <a16:creationId xmlns:a16="http://schemas.microsoft.com/office/drawing/2014/main" id="{28AE7A88-A046-92E0-4B43-5C0B191E4DE0}"/>
+                <a16:creationId xmlns:a16="http://schemas.microsoft.com/office/drawing/2014/main" id="{D00E9A3A-2848-B8A7-7A28-5176C35737ED}"/>
               </a:ext>
             </a:extLst>
           </p:cNvPr>
@@ -2427,7 +2427,7 @@
           <a:bodyPr/>
           <a:lstStyle/>
           <a:p>
-            <a:fld id="{814D1028-32D3-4555-8BC8-7F0D6C689B4F}" type="slidenum">
+            <a:fld id="{233D1F18-3918-4238-B35F-B9447A45889F}" type="slidenum">
               <a:rPr lang="zh-CN" altLang="en-US" smtClean="0"/>
               <a:t>‹#›</a:t>
             </a:fld>
@@ -2438,7 +2438,7 @@
     </p:spTree>
     <p:extLst>
       <p:ext uri="{BB962C8B-B14F-4D97-AF65-F5344CB8AC3E}">
-        <p14:creationId xmlns:p14="http://schemas.microsoft.com/office/powerpoint/2010/main" val="1498059684"/>
+        <p14:creationId xmlns:p14="http://schemas.microsoft.com/office/powerpoint/2010/main" val="3842762626"/>
       </p:ext>
     </p:extLst>
   </p:cSld>
@@ -2470,7 +2470,7 @@
           <p:cNvPr id="2" name="标题 1">
             <a:extLst>
               <a:ext uri="{FF2B5EF4-FFF2-40B4-BE49-F238E27FC236}">
-                <a16:creationId xmlns:a16="http://schemas.microsoft.com/office/drawing/2014/main" id="{26732A53-730B-9E24-76C1-292D1ECD33F8}"/>
+                <a16:creationId xmlns:a16="http://schemas.microsoft.com/office/drawing/2014/main" id="{2714163C-ED20-4C64-A4B5-E9C838584398}"/>
               </a:ext>
             </a:extLst>
           </p:cNvPr>
@@ -2507,7 +2507,7 @@
           <p:cNvPr id="3" name="图片占位符 2">
             <a:extLst>
               <a:ext uri="{FF2B5EF4-FFF2-40B4-BE49-F238E27FC236}">
-                <a16:creationId xmlns:a16="http://schemas.microsoft.com/office/drawing/2014/main" id="{8151DA7B-7517-DE8D-3427-084B3F44F5B4}"/>
+                <a16:creationId xmlns:a16="http://schemas.microsoft.com/office/drawing/2014/main" id="{076649E2-AEEF-ED32-D62A-86EE6EFA2999}"/>
               </a:ext>
             </a:extLst>
           </p:cNvPr>
@@ -2574,7 +2574,7 @@
           <p:cNvPr id="4" name="文本占位符 3">
             <a:extLst>
               <a:ext uri="{FF2B5EF4-FFF2-40B4-BE49-F238E27FC236}">
-                <a16:creationId xmlns:a16="http://schemas.microsoft.com/office/drawing/2014/main" id="{E4D12823-B94A-D558-48B3-43FA7D850F8D}"/>
+                <a16:creationId xmlns:a16="http://schemas.microsoft.com/office/drawing/2014/main" id="{CC821868-3179-6EA0-C138-ECA607579C57}"/>
               </a:ext>
             </a:extLst>
           </p:cNvPr>
@@ -2645,7 +2645,7 @@
           <p:cNvPr id="5" name="日期占位符 4">
             <a:extLst>
               <a:ext uri="{FF2B5EF4-FFF2-40B4-BE49-F238E27FC236}">
-                <a16:creationId xmlns:a16="http://schemas.microsoft.com/office/drawing/2014/main" id="{9B15A877-B323-B31D-4387-59F63FC9894B}"/>
+                <a16:creationId xmlns:a16="http://schemas.microsoft.com/office/drawing/2014/main" id="{4C31683A-B304-0EA4-EAD2-5724E6A03796}"/>
               </a:ext>
             </a:extLst>
           </p:cNvPr>
@@ -2661,7 +2661,7 @@
           <a:bodyPr/>
           <a:lstStyle/>
           <a:p>
-            <a:fld id="{C8C510DD-6D3C-4D11-87FC-578073A830C9}" type="datetimeFigureOut">
+            <a:fld id="{EA5F34F9-7E3A-4387-8491-AC15DED3BE2B}" type="datetimeFigureOut">
               <a:rPr lang="zh-CN" altLang="en-US" smtClean="0"/>
               <a:t>2024/3/10</a:t>
             </a:fld>
@@ -2674,7 +2674,7 @@
           <p:cNvPr id="6" name="页脚占位符 5">
             <a:extLst>
               <a:ext uri="{FF2B5EF4-FFF2-40B4-BE49-F238E27FC236}">
-                <a16:creationId xmlns:a16="http://schemas.microsoft.com/office/drawing/2014/main" id="{E5C31763-79C6-E86B-9EBA-01DA1FDEEDD2}"/>
+                <a16:creationId xmlns:a16="http://schemas.microsoft.com/office/drawing/2014/main" id="{8158D1EF-AF6B-8822-C2EC-4FC1235D3B32}"/>
               </a:ext>
             </a:extLst>
           </p:cNvPr>
@@ -2699,7 +2699,7 @@
           <p:cNvPr id="7" name="灯片编号占位符 6">
             <a:extLst>
               <a:ext uri="{FF2B5EF4-FFF2-40B4-BE49-F238E27FC236}">
-                <a16:creationId xmlns:a16="http://schemas.microsoft.com/office/drawing/2014/main" id="{A74644ED-B8A5-38DF-FCC4-7E3DAA798248}"/>
+                <a16:creationId xmlns:a16="http://schemas.microsoft.com/office/drawing/2014/main" id="{1918D747-A8A3-17FC-1A0C-7CA3A11033E1}"/>
               </a:ext>
             </a:extLst>
           </p:cNvPr>
@@ -2715,7 +2715,7 @@
           <a:bodyPr/>
           <a:lstStyle/>
           <a:p>
-            <a:fld id="{814D1028-32D3-4555-8BC8-7F0D6C689B4F}" type="slidenum">
+            <a:fld id="{233D1F18-3918-4238-B35F-B9447A45889F}" type="slidenum">
               <a:rPr lang="zh-CN" altLang="en-US" smtClean="0"/>
               <a:t>‹#›</a:t>
             </a:fld>
@@ -2726,7 +2726,7 @@
     </p:spTree>
     <p:extLst>
       <p:ext uri="{BB962C8B-B14F-4D97-AF65-F5344CB8AC3E}">
-        <p14:creationId xmlns:p14="http://schemas.microsoft.com/office/powerpoint/2010/main" val="963155527"/>
+        <p14:creationId xmlns:p14="http://schemas.microsoft.com/office/powerpoint/2010/main" val="1558701536"/>
       </p:ext>
     </p:extLst>
   </p:cSld>
@@ -2763,7 +2763,7 @@
           <p:cNvPr id="2" name="标题占位符 1">
             <a:extLst>
               <a:ext uri="{FF2B5EF4-FFF2-40B4-BE49-F238E27FC236}">
-                <a16:creationId xmlns:a16="http://schemas.microsoft.com/office/drawing/2014/main" id="{8F8C550D-60B1-66D4-3F57-C8637366218D}"/>
+                <a16:creationId xmlns:a16="http://schemas.microsoft.com/office/drawing/2014/main" id="{933FBC38-C03B-A05E-93E5-74E3CAFE6CAB}"/>
               </a:ext>
             </a:extLst>
           </p:cNvPr>
@@ -2801,7 +2801,7 @@
           <p:cNvPr id="3" name="文本占位符 2">
             <a:extLst>
               <a:ext uri="{FF2B5EF4-FFF2-40B4-BE49-F238E27FC236}">
-                <a16:creationId xmlns:a16="http://schemas.microsoft.com/office/drawing/2014/main" id="{83ECCADD-440C-D242-86AB-7E8F12B7A567}"/>
+                <a16:creationId xmlns:a16="http://schemas.microsoft.com/office/drawing/2014/main" id="{3B14F004-5145-556B-8683-274A6155A120}"/>
               </a:ext>
             </a:extLst>
           </p:cNvPr>
@@ -2868,7 +2868,7 @@
           <p:cNvPr id="4" name="日期占位符 3">
             <a:extLst>
               <a:ext uri="{FF2B5EF4-FFF2-40B4-BE49-F238E27FC236}">
-                <a16:creationId xmlns:a16="http://schemas.microsoft.com/office/drawing/2014/main" id="{B32E3B46-56C5-D7CA-3EE1-D6689F6FDB7A}"/>
+                <a16:creationId xmlns:a16="http://schemas.microsoft.com/office/drawing/2014/main" id="{856ADD2E-95D8-3F69-958B-2161D3D7370E}"/>
               </a:ext>
             </a:extLst>
           </p:cNvPr>
@@ -2902,7 +2902,7 @@
             </a:lvl1pPr>
           </a:lstStyle>
           <a:p>
-            <a:fld id="{C8C510DD-6D3C-4D11-87FC-578073A830C9}" type="datetimeFigureOut">
+            <a:fld id="{EA5F34F9-7E3A-4387-8491-AC15DED3BE2B}" type="datetimeFigureOut">
               <a:rPr lang="zh-CN" altLang="en-US" smtClean="0"/>
               <a:t>2024/3/10</a:t>
             </a:fld>
@@ -2915,7 +2915,7 @@
           <p:cNvPr id="5" name="页脚占位符 4">
             <a:extLst>
               <a:ext uri="{FF2B5EF4-FFF2-40B4-BE49-F238E27FC236}">
-                <a16:creationId xmlns:a16="http://schemas.microsoft.com/office/drawing/2014/main" id="{3C89C2B4-9F76-578A-7C9F-4566134EC0FC}"/>
+                <a16:creationId xmlns:a16="http://schemas.microsoft.com/office/drawing/2014/main" id="{D7D7E5B8-710B-700C-96BE-9A11AC0A24DB}"/>
               </a:ext>
             </a:extLst>
           </p:cNvPr>
@@ -2958,7 +2958,7 @@
           <p:cNvPr id="6" name="灯片编号占位符 5">
             <a:extLst>
               <a:ext uri="{FF2B5EF4-FFF2-40B4-BE49-F238E27FC236}">
-                <a16:creationId xmlns:a16="http://schemas.microsoft.com/office/drawing/2014/main" id="{502691E1-F4BE-63BD-0E37-9E71EDBC23E5}"/>
+                <a16:creationId xmlns:a16="http://schemas.microsoft.com/office/drawing/2014/main" id="{B2686E16-B0EC-A8BF-9DF0-86B716979458}"/>
               </a:ext>
             </a:extLst>
           </p:cNvPr>
@@ -2992,7 +2992,7 @@
             </a:lvl1pPr>
           </a:lstStyle>
           <a:p>
-            <a:fld id="{814D1028-32D3-4555-8BC8-7F0D6C689B4F}" type="slidenum">
+            <a:fld id="{233D1F18-3918-4238-B35F-B9447A45889F}" type="slidenum">
               <a:rPr lang="zh-CN" altLang="en-US" smtClean="0"/>
               <a:t>‹#›</a:t>
             </a:fld>
@@ -3003,7 +3003,7 @@
     </p:spTree>
     <p:extLst>
       <p:ext uri="{BB962C8B-B14F-4D97-AF65-F5344CB8AC3E}">
-        <p14:creationId xmlns:p14="http://schemas.microsoft.com/office/powerpoint/2010/main" val="1258330651"/>
+        <p14:creationId xmlns:p14="http://schemas.microsoft.com/office/powerpoint/2010/main" val="885081955"/>
       </p:ext>
     </p:extLst>
   </p:cSld>
@@ -3323,7 +3323,7 @@
       </p:grpSpPr>
       <p:pic>
         <p:nvPicPr>
-          <p:cNvPr id="387074" name="Picture 2" descr="377"/>
+          <p:cNvPr id="388098" name="Picture 2" descr="378"/>
           <p:cNvPicPr>
             <a:picLocks noChangeAspect="1" noChangeArrowheads="1"/>
           </p:cNvPicPr>
@@ -3344,8 +3344,8 @@
         </p:blipFill>
         <p:spPr bwMode="auto">
           <a:xfrm>
-            <a:off x="1524000" y="1"/>
-            <a:ext cx="9144000" cy="6742113"/>
+            <a:off x="1524000" y="0"/>
+            <a:ext cx="9144000" cy="6858000"/>
           </a:xfrm>
           <a:prstGeom prst="rect">
             <a:avLst/>
@@ -3377,7 +3377,7 @@
       </p:pic>
       <p:pic>
         <p:nvPicPr>
-          <p:cNvPr id="388099" name="Picture 3" descr="377-2"/>
+          <p:cNvPr id="389123" name="Picture 3" descr="378-2"/>
           <p:cNvPicPr>
             <a:picLocks noChangeAspect="1" noChangeArrowheads="1"/>
           </p:cNvPicPr>
@@ -3398,8 +3398,8 @@
         </p:blipFill>
         <p:spPr bwMode="auto">
           <a:xfrm>
-            <a:off x="1524000" y="1588"/>
-            <a:ext cx="9144000" cy="6811962"/>
+            <a:off x="1524000" y="-11113"/>
+            <a:ext cx="9144000" cy="6897688"/>
           </a:xfrm>
           <a:prstGeom prst="rect">
             <a:avLst/>
@@ -3478,7 +3478,7 @@
                                           </p:stCondLst>
                                         </p:cTn>
                                         <p:tgtEl>
-                                          <p:spTgt spid="388099"/>
+                                          <p:spTgt spid="389123"/>
                                         </p:tgtEl>
                                         <p:attrNameLst>
                                           <p:attrName>style.visibility</p:attrName>
@@ -3492,7 +3492,7 @@
                                       <p:cBhvr>
                                         <p:cTn id="7" dur="500"/>
                                         <p:tgtEl>
-                                          <p:spTgt spid="388099"/>
+                                          <p:spTgt spid="389123"/>
                                         </p:tgtEl>
                                       </p:cBhvr>
                                     </p:animEffect>
